--- a/Урок 03. Программное обеспечение ПК/Урок 3. Программное обеспечение ПК.pptx
+++ b/Урок 03. Программное обеспечение ПК/Урок 3. Программное обеспечение ПК.pptx
@@ -5,15 +5,14 @@
     <p:sldMasterId id="2147483648" r:id="rId1"/>
   </p:sldMasterIdLst>
   <p:notesMasterIdLst>
-    <p:notesMasterId r:id="rId8"/>
+    <p:notesMasterId r:id="rId7"/>
   </p:notesMasterIdLst>
   <p:sldIdLst>
     <p:sldId id="494" r:id="rId2"/>
-    <p:sldId id="785" r:id="rId3"/>
-    <p:sldId id="807" r:id="rId4"/>
-    <p:sldId id="805" r:id="rId5"/>
-    <p:sldId id="808" r:id="rId6"/>
-    <p:sldId id="806" r:id="rId7"/>
+    <p:sldId id="809" r:id="rId3"/>
+    <p:sldId id="805" r:id="rId4"/>
+    <p:sldId id="808" r:id="rId5"/>
+    <p:sldId id="806" r:id="rId6"/>
   </p:sldIdLst>
   <p:sldSz cx="12192000" cy="6858000"/>
   <p:notesSz cx="6858000" cy="9144000"/>
@@ -118,8 +117,7 @@
         <p14:section name="Default Section" id="{741CF7A3-2E87-43B0-A84D-1A6BFBF00E00}">
           <p14:sldIdLst>
             <p14:sldId id="494"/>
-            <p14:sldId id="785"/>
-            <p14:sldId id="807"/>
+            <p14:sldId id="809"/>
             <p14:sldId id="805"/>
             <p14:sldId id="808"/>
             <p14:sldId id="806"/>
@@ -216,7 +214,7 @@
           <a:p>
             <a:fld id="{604F1A3C-7094-4025-80B2-EF9BF9D263AD}" type="datetimeFigureOut">
               <a:rPr lang="en-US" smtClean="0"/>
-              <a:t>3/15/2024</a:t>
+              <a:t>10/06/2025</a:t>
             </a:fld>
             <a:endParaRPr lang="en-US"/>
           </a:p>
@@ -630,7 +628,7 @@
           <a:p>
             <a:fld id="{A765B8F1-23B3-4187-818C-C69CAAB85054}" type="datetimeFigureOut">
               <a:rPr lang="en-US" smtClean="0"/>
-              <a:t>3/15/2024</a:t>
+              <a:t>10/06/2025</a:t>
             </a:fld>
             <a:endParaRPr lang="en-US"/>
           </a:p>
@@ -828,7 +826,7 @@
           <a:p>
             <a:fld id="{A765B8F1-23B3-4187-818C-C69CAAB85054}" type="datetimeFigureOut">
               <a:rPr lang="en-US" smtClean="0"/>
-              <a:t>3/15/2024</a:t>
+              <a:t>10/06/2025</a:t>
             </a:fld>
             <a:endParaRPr lang="en-US"/>
           </a:p>
@@ -1036,7 +1034,7 @@
           <a:p>
             <a:fld id="{A765B8F1-23B3-4187-818C-C69CAAB85054}" type="datetimeFigureOut">
               <a:rPr lang="en-US" smtClean="0"/>
-              <a:t>3/15/2024</a:t>
+              <a:t>10/06/2025</a:t>
             </a:fld>
             <a:endParaRPr lang="en-US"/>
           </a:p>
@@ -1234,7 +1232,7 @@
           <a:p>
             <a:fld id="{A765B8F1-23B3-4187-818C-C69CAAB85054}" type="datetimeFigureOut">
               <a:rPr lang="en-US" smtClean="0"/>
-              <a:t>3/15/2024</a:t>
+              <a:t>10/06/2025</a:t>
             </a:fld>
             <a:endParaRPr lang="en-US"/>
           </a:p>
@@ -1509,7 +1507,7 @@
           <a:p>
             <a:fld id="{A765B8F1-23B3-4187-818C-C69CAAB85054}" type="datetimeFigureOut">
               <a:rPr lang="en-US" smtClean="0"/>
-              <a:t>3/15/2024</a:t>
+              <a:t>10/06/2025</a:t>
             </a:fld>
             <a:endParaRPr lang="en-US"/>
           </a:p>
@@ -1774,7 +1772,7 @@
           <a:p>
             <a:fld id="{A765B8F1-23B3-4187-818C-C69CAAB85054}" type="datetimeFigureOut">
               <a:rPr lang="en-US" smtClean="0"/>
-              <a:t>3/15/2024</a:t>
+              <a:t>10/06/2025</a:t>
             </a:fld>
             <a:endParaRPr lang="en-US"/>
           </a:p>
@@ -2186,7 +2184,7 @@
           <a:p>
             <a:fld id="{A765B8F1-23B3-4187-818C-C69CAAB85054}" type="datetimeFigureOut">
               <a:rPr lang="en-US" smtClean="0"/>
-              <a:t>3/15/2024</a:t>
+              <a:t>10/06/2025</a:t>
             </a:fld>
             <a:endParaRPr lang="en-US"/>
           </a:p>
@@ -2327,7 +2325,7 @@
           <a:p>
             <a:fld id="{A765B8F1-23B3-4187-818C-C69CAAB85054}" type="datetimeFigureOut">
               <a:rPr lang="en-US" smtClean="0"/>
-              <a:t>3/15/2024</a:t>
+              <a:t>10/06/2025</a:t>
             </a:fld>
             <a:endParaRPr lang="en-US"/>
           </a:p>
@@ -2440,7 +2438,7 @@
           <a:p>
             <a:fld id="{A765B8F1-23B3-4187-818C-C69CAAB85054}" type="datetimeFigureOut">
               <a:rPr lang="en-US" smtClean="0"/>
-              <a:t>3/15/2024</a:t>
+              <a:t>10/06/2025</a:t>
             </a:fld>
             <a:endParaRPr lang="en-US"/>
           </a:p>
@@ -2751,7 +2749,7 @@
           <a:p>
             <a:fld id="{A765B8F1-23B3-4187-818C-C69CAAB85054}" type="datetimeFigureOut">
               <a:rPr lang="en-US" smtClean="0"/>
-              <a:t>3/15/2024</a:t>
+              <a:t>10/06/2025</a:t>
             </a:fld>
             <a:endParaRPr lang="en-US"/>
           </a:p>
@@ -3039,7 +3037,7 @@
           <a:p>
             <a:fld id="{A765B8F1-23B3-4187-818C-C69CAAB85054}" type="datetimeFigureOut">
               <a:rPr lang="en-US" smtClean="0"/>
-              <a:t>3/15/2024</a:t>
+              <a:t>10/06/2025</a:t>
             </a:fld>
             <a:endParaRPr lang="en-US"/>
           </a:p>
@@ -3280,7 +3278,7 @@
           <a:p>
             <a:fld id="{A765B8F1-23B3-4187-818C-C69CAAB85054}" type="datetimeFigureOut">
               <a:rPr lang="en-US" smtClean="0"/>
-              <a:t>3/15/2024</a:t>
+              <a:t>10/06/2025</a:t>
             </a:fld>
             <a:endParaRPr lang="en-US"/>
           </a:p>
@@ -4188,54 +4186,6 @@
           </p:txBody>
         </p:sp>
       </p:grpSp>
-      <p:pic>
-        <p:nvPicPr>
-          <p:cNvPr id="6" name="Picture 5">
-            <a:extLst>
-              <a:ext uri="{FF2B5EF4-FFF2-40B4-BE49-F238E27FC236}">
-                <a16:creationId xmlns:a16="http://schemas.microsoft.com/office/drawing/2014/main" id="{0763E162-D3D1-4B6A-AAE0-F4B5EB64A285}"/>
-              </a:ext>
-            </a:extLst>
-          </p:cNvPr>
-          <p:cNvPicPr>
-            <a:picLocks noChangeAspect="1"/>
-          </p:cNvPicPr>
-          <p:nvPr/>
-        </p:nvPicPr>
-        <p:blipFill>
-          <a:blip r:embed="rId3">
-            <a:extLst>
-              <a:ext uri="{28A0092B-C50C-407E-A947-70E740481C1C}">
-                <a14:useLocalDpi xmlns:a14="http://schemas.microsoft.com/office/drawing/2010/main" val="0"/>
-              </a:ext>
-            </a:extLst>
-          </a:blip>
-          <a:stretch>
-            <a:fillRect/>
-          </a:stretch>
-        </p:blipFill>
-        <p:spPr>
-          <a:xfrm>
-            <a:off x="1005186" y="1477815"/>
-            <a:ext cx="10181629" cy="5113902"/>
-          </a:xfrm>
-          <a:prstGeom prst="rect">
-            <a:avLst/>
-          </a:prstGeom>
-          <a:ln w="50800">
-            <a:solidFill>
-              <a:srgbClr val="909090"/>
-            </a:solidFill>
-          </a:ln>
-          <a:effectLst>
-            <a:outerShdw blurRad="50800" dist="165100" dir="2700000" algn="tl" rotWithShape="0">
-              <a:prstClr val="black">
-                <a:alpha val="40000"/>
-              </a:prstClr>
-            </a:outerShdw>
-          </a:effectLst>
-        </p:spPr>
-      </p:pic>
       <p:sp>
         <p:nvSpPr>
           <p:cNvPr id="7" name="Rectangle 6">
@@ -4288,42 +4238,12 @@
           </a:p>
         </p:txBody>
       </p:sp>
-    </p:spTree>
-    <p:extLst>
-      <p:ext uri="{BB962C8B-B14F-4D97-AF65-F5344CB8AC3E}">
-        <p14:creationId xmlns:p14="http://schemas.microsoft.com/office/powerpoint/2010/main" val="1236954913"/>
-      </p:ext>
-    </p:extLst>
-  </p:cSld>
-  <p:clrMapOvr>
-    <a:masterClrMapping/>
-  </p:clrMapOvr>
-</p:sld>
-</file>
-
-<file path=ppt/slides/slide3.xml><?xml version="1.0" encoding="utf-8"?>
-<p:sld xmlns:a="http://schemas.openxmlformats.org/drawingml/2006/main" xmlns:r="http://schemas.openxmlformats.org/officeDocument/2006/relationships" xmlns:p="http://schemas.openxmlformats.org/presentationml/2006/main">
-  <p:cSld>
-    <p:spTree>
-      <p:nvGrpSpPr>
-        <p:cNvPr id="1" name=""/>
-        <p:cNvGrpSpPr/>
-        <p:nvPr/>
-      </p:nvGrpSpPr>
-      <p:grpSpPr>
-        <a:xfrm>
-          <a:off x="0" y="0"/>
-          <a:ext cx="0" cy="0"/>
-          <a:chOff x="0" y="0"/>
-          <a:chExt cx="0" cy="0"/>
-        </a:xfrm>
-      </p:grpSpPr>
       <p:pic>
         <p:nvPicPr>
-          <p:cNvPr id="4" name="BG">
-            <a:extLst>
-              <a:ext uri="{FF2B5EF4-FFF2-40B4-BE49-F238E27FC236}">
-                <a16:creationId xmlns:a16="http://schemas.microsoft.com/office/drawing/2014/main" id="{2F932459-93A1-4757-9E1C-FC5B4C7D57F3}"/>
+          <p:cNvPr id="3" name="Picture 2">
+            <a:extLst>
+              <a:ext uri="{FF2B5EF4-FFF2-40B4-BE49-F238E27FC236}">
+                <a16:creationId xmlns:a16="http://schemas.microsoft.com/office/drawing/2014/main" id="{B44FE491-6F85-4FEB-B169-06B588669718}"/>
               </a:ext>
             </a:extLst>
           </p:cNvPr>
@@ -4333,253 +4253,15 @@
           <p:nvPr/>
         </p:nvPicPr>
         <p:blipFill>
-          <a:blip r:embed="rId2">
-            <a:extLst>
-              <a:ext uri="{28A0092B-C50C-407E-A947-70E740481C1C}">
-                <a14:useLocalDpi xmlns:a14="http://schemas.microsoft.com/office/drawing/2010/main" val="0"/>
-              </a:ext>
-            </a:extLst>
-          </a:blip>
+          <a:blip r:embed="rId3"/>
           <a:stretch>
             <a:fillRect/>
           </a:stretch>
         </p:blipFill>
         <p:spPr>
           <a:xfrm>
-            <a:off x="1" y="0"/>
-            <a:ext cx="12191999" cy="6858000"/>
-          </a:xfrm>
-          <a:prstGeom prst="rect">
-            <a:avLst/>
-          </a:prstGeom>
-        </p:spPr>
-      </p:pic>
-      <p:grpSp>
-        <p:nvGrpSpPr>
-          <p:cNvPr id="19" name="Text Plane">
-            <a:extLst>
-              <a:ext uri="{FF2B5EF4-FFF2-40B4-BE49-F238E27FC236}">
-                <a16:creationId xmlns:a16="http://schemas.microsoft.com/office/drawing/2014/main" id="{9FDF0703-9395-4307-B00C-AB53E383A221}"/>
-              </a:ext>
-            </a:extLst>
-          </p:cNvPr>
-          <p:cNvGrpSpPr/>
-          <p:nvPr/>
-        </p:nvGrpSpPr>
-        <p:grpSpPr>
-          <a:xfrm>
-            <a:off x="850796" y="188080"/>
-            <a:ext cx="10490408" cy="1047695"/>
-            <a:chOff x="455691" y="307818"/>
-            <a:chExt cx="11280617" cy="1047695"/>
-          </a:xfrm>
-          <a:effectLst>
-            <a:outerShdw blurRad="50800" dist="165100" dir="2700000" algn="tl" rotWithShape="0">
-              <a:prstClr val="black">
-                <a:alpha val="40000"/>
-              </a:prstClr>
-            </a:outerShdw>
-          </a:effectLst>
-        </p:grpSpPr>
-        <p:sp>
-          <p:nvSpPr>
-            <p:cNvPr id="20" name="Rectangle: Rounded Corners 19">
-              <a:extLst>
-                <a:ext uri="{FF2B5EF4-FFF2-40B4-BE49-F238E27FC236}">
-                  <a16:creationId xmlns:a16="http://schemas.microsoft.com/office/drawing/2014/main" id="{C70BB931-F231-430F-A90D-971B10C65D18}"/>
-                </a:ext>
-              </a:extLst>
-            </p:cNvPr>
-            <p:cNvSpPr/>
-            <p:nvPr/>
-          </p:nvSpPr>
-          <p:spPr>
-            <a:xfrm>
-              <a:off x="455691" y="307818"/>
-              <a:ext cx="11280617" cy="1047695"/>
-            </a:xfrm>
-            <a:prstGeom prst="roundRect">
-              <a:avLst>
-                <a:gd name="adj" fmla="val 19953"/>
-              </a:avLst>
-            </a:prstGeom>
-            <a:solidFill>
-              <a:schemeClr val="tx1">
-                <a:lumMod val="85000"/>
-                <a:lumOff val="15000"/>
-                <a:alpha val="50000"/>
-              </a:schemeClr>
-            </a:solidFill>
-            <a:ln w="50800">
-              <a:solidFill>
-                <a:srgbClr val="909090"/>
-              </a:solidFill>
-            </a:ln>
-            <a:effectLst/>
-          </p:spPr>
-          <p:style>
-            <a:lnRef idx="2">
-              <a:schemeClr val="accent1">
-                <a:shade val="50000"/>
-              </a:schemeClr>
-            </a:lnRef>
-            <a:fillRef idx="1">
-              <a:schemeClr val="accent1"/>
-            </a:fillRef>
-            <a:effectRef idx="0">
-              <a:schemeClr val="accent1"/>
-            </a:effectRef>
-            <a:fontRef idx="minor">
-              <a:schemeClr val="lt1"/>
-            </a:fontRef>
-          </p:style>
-          <p:txBody>
-            <a:bodyPr rtlCol="0" anchor="ctr"/>
-            <a:lstStyle/>
-            <a:p>
-              <a:pPr algn="ctr"/>
-              <a:endParaRPr lang="en-US" dirty="0"/>
-            </a:p>
-          </p:txBody>
-        </p:sp>
-        <p:sp>
-          <p:nvSpPr>
-            <p:cNvPr id="21" name="Header">
-              <a:extLst>
-                <a:ext uri="{FF2B5EF4-FFF2-40B4-BE49-F238E27FC236}">
-                  <a16:creationId xmlns:a16="http://schemas.microsoft.com/office/drawing/2014/main" id="{FA4E0D31-4E09-4B99-9C3F-EFC8CB4E53BA}"/>
-                </a:ext>
-              </a:extLst>
-            </p:cNvPr>
-            <p:cNvSpPr txBox="1"/>
-            <p:nvPr/>
-          </p:nvSpPr>
-          <p:spPr>
-            <a:xfrm>
-              <a:off x="1056000" y="401482"/>
-              <a:ext cx="10080000" cy="830997"/>
-            </a:xfrm>
-            <a:prstGeom prst="rect">
-              <a:avLst/>
-            </a:prstGeom>
-            <a:noFill/>
-            <a:ln w="38100" cap="flat">
-              <a:noFill/>
-              <a:round/>
-            </a:ln>
-          </p:spPr>
-          <p:txBody>
-            <a:bodyPr wrap="square" rtlCol="0">
-              <a:spAutoFit/>
-            </a:bodyPr>
-            <a:lstStyle/>
-            <a:p>
-              <a:pPr algn="ctr"/>
-              <a:r>
-                <a:rPr lang="ru-RU" sz="4800" dirty="0">
-                  <a:solidFill>
-                    <a:srgbClr val="FFC000"/>
-                  </a:solidFill>
-                  <a:latin typeface="Arial" panose="020B0604020202020204" pitchFamily="34" charset="0"/>
-                  <a:ea typeface="Meiryo" panose="020B0604030504040204" pitchFamily="34" charset="-128"/>
-                  <a:cs typeface="Arial" panose="020B0604020202020204" pitchFamily="34" charset="0"/>
-                </a:rPr>
-                <a:t>Уровни ПО</a:t>
-              </a:r>
-              <a:endParaRPr lang="en-US" sz="4800" dirty="0">
-                <a:solidFill>
-                  <a:srgbClr val="FFC000"/>
-                </a:solidFill>
-                <a:latin typeface="Arial" panose="020B0604020202020204" pitchFamily="34" charset="0"/>
-                <a:ea typeface="Meiryo" panose="020B0604030504040204" pitchFamily="34" charset="-128"/>
-                <a:cs typeface="Arial" panose="020B0604020202020204" pitchFamily="34" charset="0"/>
-              </a:endParaRPr>
-            </a:p>
-          </p:txBody>
-        </p:sp>
-      </p:grpSp>
-      <p:sp>
-        <p:nvSpPr>
-          <p:cNvPr id="7" name="Rectangle 6">
-            <a:extLst>
-              <a:ext uri="{FF2B5EF4-FFF2-40B4-BE49-F238E27FC236}">
-                <a16:creationId xmlns:a16="http://schemas.microsoft.com/office/drawing/2014/main" id="{534E5F9D-D1EB-45C0-ACD6-EBDB75FE1FFD}"/>
-              </a:ext>
-            </a:extLst>
-          </p:cNvPr>
-          <p:cNvSpPr/>
-          <p:nvPr/>
-        </p:nvSpPr>
-        <p:spPr>
-          <a:xfrm>
-            <a:off x="6797964" y="2604655"/>
-            <a:ext cx="3020291" cy="360218"/>
-          </a:xfrm>
-          <a:prstGeom prst="rect">
-            <a:avLst/>
-          </a:prstGeom>
-          <a:solidFill>
-            <a:srgbClr val="FFFFFF"/>
-          </a:solidFill>
-          <a:ln>
-            <a:noFill/>
-          </a:ln>
-        </p:spPr>
-        <p:style>
-          <a:lnRef idx="2">
-            <a:schemeClr val="accent1">
-              <a:shade val="50000"/>
-            </a:schemeClr>
-          </a:lnRef>
-          <a:fillRef idx="1">
-            <a:schemeClr val="accent1"/>
-          </a:fillRef>
-          <a:effectRef idx="0">
-            <a:schemeClr val="accent1"/>
-          </a:effectRef>
-          <a:fontRef idx="minor">
-            <a:schemeClr val="lt1"/>
-          </a:fontRef>
-        </p:style>
-        <p:txBody>
-          <a:bodyPr rtlCol="0" anchor="ctr"/>
-          <a:lstStyle/>
-          <a:p>
-            <a:pPr algn="ctr"/>
-            <a:endParaRPr lang="en-150"/>
-          </a:p>
-        </p:txBody>
-      </p:sp>
-      <p:pic>
-        <p:nvPicPr>
-          <p:cNvPr id="3" name="Picture 2">
-            <a:extLst>
-              <a:ext uri="{FF2B5EF4-FFF2-40B4-BE49-F238E27FC236}">
-                <a16:creationId xmlns:a16="http://schemas.microsoft.com/office/drawing/2014/main" id="{E3069098-DCC7-43C6-8FAC-DE51E0CE37AE}"/>
-              </a:ext>
-            </a:extLst>
-          </p:cNvPr>
-          <p:cNvPicPr>
-            <a:picLocks noChangeAspect="1"/>
-          </p:cNvPicPr>
-          <p:nvPr/>
-        </p:nvPicPr>
-        <p:blipFill>
-          <a:blip r:embed="rId3">
-            <a:extLst>
-              <a:ext uri="{28A0092B-C50C-407E-A947-70E740481C1C}">
-                <a14:useLocalDpi xmlns:a14="http://schemas.microsoft.com/office/drawing/2010/main" val="0"/>
-              </a:ext>
-            </a:extLst>
-          </a:blip>
-          <a:stretch>
-            <a:fillRect/>
-          </a:stretch>
-        </p:blipFill>
-        <p:spPr>
-          <a:xfrm>
-            <a:off x="937735" y="1477815"/>
-            <a:ext cx="10316530" cy="5113902"/>
+            <a:off x="333460" y="1477815"/>
+            <a:ext cx="11525081" cy="5113902"/>
           </a:xfrm>
           <a:prstGeom prst="rect">
             <a:avLst/>
@@ -4601,7 +4283,7 @@
     </p:spTree>
     <p:extLst>
       <p:ext uri="{BB962C8B-B14F-4D97-AF65-F5344CB8AC3E}">
-        <p14:creationId xmlns:p14="http://schemas.microsoft.com/office/powerpoint/2010/main" val="4245418441"/>
+        <p14:creationId xmlns:p14="http://schemas.microsoft.com/office/powerpoint/2010/main" val="3673190707"/>
       </p:ext>
     </p:extLst>
   </p:cSld>
@@ -4611,7 +4293,7 @@
 </p:sld>
 </file>
 
-<file path=ppt/slides/slide4.xml><?xml version="1.0" encoding="utf-8"?>
+<file path=ppt/slides/slide3.xml><?xml version="1.0" encoding="utf-8"?>
 <p:sld xmlns:a="http://schemas.openxmlformats.org/drawingml/2006/main" xmlns:r="http://schemas.openxmlformats.org/officeDocument/2006/relationships" xmlns:p="http://schemas.openxmlformats.org/presentationml/2006/main">
   <p:cSld>
     <p:spTree>
@@ -4883,7 +4565,7 @@
 </p:sld>
 </file>
 
-<file path=ppt/slides/slide5.xml><?xml version="1.0" encoding="utf-8"?>
+<file path=ppt/slides/slide4.xml><?xml version="1.0" encoding="utf-8"?>
 <p:sld xmlns:a="http://schemas.openxmlformats.org/drawingml/2006/main" xmlns:r="http://schemas.openxmlformats.org/officeDocument/2006/relationships" xmlns:p="http://schemas.openxmlformats.org/presentationml/2006/main">
   <p:cSld>
     <p:spTree>
@@ -5133,7 +4815,7 @@
 </p:sld>
 </file>
 
-<file path=ppt/slides/slide6.xml><?xml version="1.0" encoding="utf-8"?>
+<file path=ppt/slides/slide5.xml><?xml version="1.0" encoding="utf-8"?>
 <p:sld xmlns:a="http://schemas.openxmlformats.org/drawingml/2006/main" xmlns:r="http://schemas.openxmlformats.org/officeDocument/2006/relationships" xmlns:p="http://schemas.openxmlformats.org/presentationml/2006/main">
   <p:cSld>
     <p:spTree>
